--- a/Slides/Lecture03.pptx
+++ b/Slides/Lecture03.pptx
@@ -7,18 +7,23 @@
   <p:sldIdLst>
     <p:sldId id="256" r:id="rId2"/>
     <p:sldId id="257" r:id="rId3"/>
-    <p:sldId id="263" r:id="rId4"/>
-    <p:sldId id="259" r:id="rId5"/>
-    <p:sldId id="260" r:id="rId6"/>
-    <p:sldId id="261" r:id="rId7"/>
-    <p:sldId id="258" r:id="rId8"/>
-    <p:sldId id="265" r:id="rId9"/>
-    <p:sldId id="264" r:id="rId10"/>
-    <p:sldId id="266" r:id="rId11"/>
-    <p:sldId id="267" r:id="rId12"/>
-    <p:sldId id="269" r:id="rId13"/>
-    <p:sldId id="268" r:id="rId14"/>
-    <p:sldId id="262" r:id="rId15"/>
+    <p:sldId id="270" r:id="rId4"/>
+    <p:sldId id="271" r:id="rId5"/>
+    <p:sldId id="263" r:id="rId6"/>
+    <p:sldId id="259" r:id="rId7"/>
+    <p:sldId id="260" r:id="rId8"/>
+    <p:sldId id="261" r:id="rId9"/>
+    <p:sldId id="258" r:id="rId10"/>
+    <p:sldId id="272" r:id="rId11"/>
+    <p:sldId id="265" r:id="rId12"/>
+    <p:sldId id="264" r:id="rId13"/>
+    <p:sldId id="266" r:id="rId14"/>
+    <p:sldId id="273" r:id="rId15"/>
+    <p:sldId id="274" r:id="rId16"/>
+    <p:sldId id="267" r:id="rId17"/>
+    <p:sldId id="269" r:id="rId18"/>
+    <p:sldId id="268" r:id="rId19"/>
+    <p:sldId id="262" r:id="rId20"/>
   </p:sldIdLst>
   <p:sldSz cx="12192000" cy="6858000"/>
   <p:notesSz cx="6858000" cy="9144000"/>
@@ -117,6 +122,11 @@
       </a:defRPr>
     </a:lvl9pPr>
   </p:defaultTextStyle>
+  <p:extLst>
+    <p:ext uri="{EFAFB233-063F-42B5-8137-9DF3F51BA10A}">
+      <p15:sldGuideLst xmlns:p15="http://schemas.microsoft.com/office/powerpoint/2012/main"/>
+    </p:ext>
+  </p:extLst>
 </p:presentation>
 </file>
 
@@ -251,7 +261,7 @@
           <a:p>
             <a:fld id="{BEAF3131-2AB6-4B60-9FCF-7135CEFCF1B1}" type="datetimeFigureOut">
               <a:rPr lang="en-US" smtClean="0"/>
-              <a:t>3/16/2022</a:t>
+              <a:t>10/6/2022</a:t>
             </a:fld>
             <a:endParaRPr lang="en-US"/>
           </a:p>
@@ -421,7 +431,7 @@
           <a:p>
             <a:fld id="{BEAF3131-2AB6-4B60-9FCF-7135CEFCF1B1}" type="datetimeFigureOut">
               <a:rPr lang="en-US" smtClean="0"/>
-              <a:t>3/16/2022</a:t>
+              <a:t>10/6/2022</a:t>
             </a:fld>
             <a:endParaRPr lang="en-US"/>
           </a:p>
@@ -601,7 +611,7 @@
           <a:p>
             <a:fld id="{BEAF3131-2AB6-4B60-9FCF-7135CEFCF1B1}" type="datetimeFigureOut">
               <a:rPr lang="en-US" smtClean="0"/>
-              <a:t>3/16/2022</a:t>
+              <a:t>10/6/2022</a:t>
             </a:fld>
             <a:endParaRPr lang="en-US"/>
           </a:p>
@@ -771,7 +781,7 @@
           <a:p>
             <a:fld id="{BEAF3131-2AB6-4B60-9FCF-7135CEFCF1B1}" type="datetimeFigureOut">
               <a:rPr lang="en-US" smtClean="0"/>
-              <a:t>3/16/2022</a:t>
+              <a:t>10/6/2022</a:t>
             </a:fld>
             <a:endParaRPr lang="en-US"/>
           </a:p>
@@ -1017,7 +1027,7 @@
           <a:p>
             <a:fld id="{BEAF3131-2AB6-4B60-9FCF-7135CEFCF1B1}" type="datetimeFigureOut">
               <a:rPr lang="en-US" smtClean="0"/>
-              <a:t>3/16/2022</a:t>
+              <a:t>10/6/2022</a:t>
             </a:fld>
             <a:endParaRPr lang="en-US"/>
           </a:p>
@@ -1249,7 +1259,7 @@
           <a:p>
             <a:fld id="{BEAF3131-2AB6-4B60-9FCF-7135CEFCF1B1}" type="datetimeFigureOut">
               <a:rPr lang="en-US" smtClean="0"/>
-              <a:t>3/16/2022</a:t>
+              <a:t>10/6/2022</a:t>
             </a:fld>
             <a:endParaRPr lang="en-US"/>
           </a:p>
@@ -1616,7 +1626,7 @@
           <a:p>
             <a:fld id="{BEAF3131-2AB6-4B60-9FCF-7135CEFCF1B1}" type="datetimeFigureOut">
               <a:rPr lang="en-US" smtClean="0"/>
-              <a:t>3/16/2022</a:t>
+              <a:t>10/6/2022</a:t>
             </a:fld>
             <a:endParaRPr lang="en-US"/>
           </a:p>
@@ -1734,7 +1744,7 @@
           <a:p>
             <a:fld id="{BEAF3131-2AB6-4B60-9FCF-7135CEFCF1B1}" type="datetimeFigureOut">
               <a:rPr lang="en-US" smtClean="0"/>
-              <a:t>3/16/2022</a:t>
+              <a:t>10/6/2022</a:t>
             </a:fld>
             <a:endParaRPr lang="en-US"/>
           </a:p>
@@ -1829,7 +1839,7 @@
           <a:p>
             <a:fld id="{BEAF3131-2AB6-4B60-9FCF-7135CEFCF1B1}" type="datetimeFigureOut">
               <a:rPr lang="en-US" smtClean="0"/>
-              <a:t>3/16/2022</a:t>
+              <a:t>10/6/2022</a:t>
             </a:fld>
             <a:endParaRPr lang="en-US"/>
           </a:p>
@@ -2106,7 +2116,7 @@
           <a:p>
             <a:fld id="{BEAF3131-2AB6-4B60-9FCF-7135CEFCF1B1}" type="datetimeFigureOut">
               <a:rPr lang="en-US" smtClean="0"/>
-              <a:t>3/16/2022</a:t>
+              <a:t>10/6/2022</a:t>
             </a:fld>
             <a:endParaRPr lang="en-US"/>
           </a:p>
@@ -2359,7 +2369,7 @@
           <a:p>
             <a:fld id="{BEAF3131-2AB6-4B60-9FCF-7135CEFCF1B1}" type="datetimeFigureOut">
               <a:rPr lang="en-US" smtClean="0"/>
-              <a:t>3/16/2022</a:t>
+              <a:t>10/6/2022</a:t>
             </a:fld>
             <a:endParaRPr lang="en-US"/>
           </a:p>
@@ -2572,7 +2582,7 @@
           <a:p>
             <a:fld id="{BEAF3131-2AB6-4B60-9FCF-7135CEFCF1B1}" type="datetimeFigureOut">
               <a:rPr lang="en-US" smtClean="0"/>
-              <a:t>3/16/2022</a:t>
+              <a:t>10/6/2022</a:t>
             </a:fld>
             <a:endParaRPr lang="en-US"/>
           </a:p>
@@ -3059,6 +3069,416 @@
           <a:p>
             <a:r>
               <a:rPr lang="en-GB" dirty="0" smtClean="0"/>
+              <a:t>Core/Basic Components</a:t>
+            </a:r>
+            <a:endParaRPr lang="en-US" dirty="0"/>
+          </a:p>
+        </p:txBody>
+      </p:sp>
+      <p:sp>
+        <p:nvSpPr>
+          <p:cNvPr id="3" name="Content Placeholder 2"/>
+          <p:cNvSpPr>
+            <a:spLocks noGrp="1"/>
+          </p:cNvSpPr>
+          <p:nvPr>
+            <p:ph idx="1"/>
+          </p:nvPr>
+        </p:nvSpPr>
+        <p:spPr/>
+        <p:txBody>
+          <a:bodyPr>
+            <a:normAutofit lnSpcReduction="10000"/>
+          </a:bodyPr>
+          <a:lstStyle/>
+          <a:p>
+            <a:pPr marL="0" indent="0">
+              <a:buNone/>
+            </a:pPr>
+            <a:r>
+              <a:rPr lang="en-GB" dirty="0"/>
+              <a:t>React Native comes with a set of essential, ready-to-use Native </a:t>
+            </a:r>
+            <a:r>
+              <a:rPr lang="en-GB" dirty="0" smtClean="0"/>
+              <a:t>Components</a:t>
+            </a:r>
+          </a:p>
+          <a:p>
+            <a:pPr marL="0" indent="0">
+              <a:buNone/>
+            </a:pPr>
+            <a:endParaRPr lang="en-GB" dirty="0" smtClean="0"/>
+          </a:p>
+          <a:p>
+            <a:r>
+              <a:rPr lang="en-GB" dirty="0" smtClean="0"/>
+              <a:t>View</a:t>
+            </a:r>
+          </a:p>
+          <a:p>
+            <a:r>
+              <a:rPr lang="en-GB" dirty="0" smtClean="0"/>
+              <a:t>Text</a:t>
+            </a:r>
+          </a:p>
+          <a:p>
+            <a:r>
+              <a:rPr lang="en-GB" dirty="0" smtClean="0"/>
+              <a:t>Image</a:t>
+            </a:r>
+          </a:p>
+          <a:p>
+            <a:r>
+              <a:rPr lang="en-GB" dirty="0" smtClean="0"/>
+              <a:t>Button</a:t>
+            </a:r>
+          </a:p>
+          <a:p>
+            <a:r>
+              <a:rPr lang="en-GB" dirty="0" err="1" smtClean="0"/>
+              <a:t>Touchables</a:t>
+            </a:r>
+            <a:endParaRPr lang="en-GB" dirty="0" smtClean="0"/>
+          </a:p>
+          <a:p>
+            <a:r>
+              <a:rPr lang="en-GB" dirty="0" smtClean="0"/>
+              <a:t>Alert</a:t>
+            </a:r>
+            <a:endParaRPr lang="en-US" dirty="0"/>
+          </a:p>
+        </p:txBody>
+      </p:sp>
+    </p:spTree>
+    <p:extLst>
+      <p:ext uri="{BB962C8B-B14F-4D97-AF65-F5344CB8AC3E}">
+        <p14:creationId xmlns:p14="http://schemas.microsoft.com/office/powerpoint/2010/main" val="4153755168"/>
+      </p:ext>
+    </p:extLst>
+  </p:cSld>
+  <p:clrMapOvr>
+    <a:masterClrMapping/>
+  </p:clrMapOvr>
+</p:sld>
+</file>
+
+<file path=ppt/slides/slide11.xml><?xml version="1.0" encoding="utf-8"?>
+<p:sld xmlns:a="http://schemas.openxmlformats.org/drawingml/2006/main" xmlns:r="http://schemas.openxmlformats.org/officeDocument/2006/relationships" xmlns:p="http://schemas.openxmlformats.org/presentationml/2006/main">
+  <p:cSld>
+    <p:spTree>
+      <p:nvGrpSpPr>
+        <p:cNvPr id="1" name=""/>
+        <p:cNvGrpSpPr/>
+        <p:nvPr/>
+      </p:nvGrpSpPr>
+      <p:grpSpPr>
+        <a:xfrm>
+          <a:off x="0" y="0"/>
+          <a:ext cx="0" cy="0"/>
+          <a:chOff x="0" y="0"/>
+          <a:chExt cx="0" cy="0"/>
+        </a:xfrm>
+      </p:grpSpPr>
+      <p:sp>
+        <p:nvSpPr>
+          <p:cNvPr id="2" name="Title 1"/>
+          <p:cNvSpPr>
+            <a:spLocks noGrp="1"/>
+          </p:cNvSpPr>
+          <p:nvPr>
+            <p:ph type="title"/>
+          </p:nvPr>
+        </p:nvSpPr>
+        <p:spPr/>
+        <p:txBody>
+          <a:bodyPr/>
+          <a:lstStyle/>
+          <a:p>
+            <a:r>
+              <a:rPr lang="en-GB" dirty="0" smtClean="0"/>
+              <a:t>Cross platform working[2]</a:t>
+            </a:r>
+            <a:endParaRPr lang="en-US" dirty="0"/>
+          </a:p>
+        </p:txBody>
+      </p:sp>
+      <p:sp>
+        <p:nvSpPr>
+          <p:cNvPr id="3" name="Content Placeholder 2"/>
+          <p:cNvSpPr>
+            <a:spLocks noGrp="1"/>
+          </p:cNvSpPr>
+          <p:nvPr>
+            <p:ph idx="1"/>
+          </p:nvPr>
+        </p:nvSpPr>
+        <p:spPr/>
+        <p:txBody>
+          <a:bodyPr>
+            <a:normAutofit/>
+          </a:bodyPr>
+          <a:lstStyle/>
+          <a:p>
+            <a:r>
+              <a:rPr lang="en-GB" dirty="0" smtClean="0"/>
+              <a:t/>
+            </a:r>
+            <a:br>
+              <a:rPr lang="en-GB" dirty="0" smtClean="0"/>
+            </a:br>
+            <a:endParaRPr lang="en-US" dirty="0"/>
+          </a:p>
+        </p:txBody>
+      </p:sp>
+      <p:pic>
+        <p:nvPicPr>
+          <p:cNvPr id="4" name="Picture 3"/>
+          <p:cNvPicPr>
+            <a:picLocks noChangeAspect="1"/>
+          </p:cNvPicPr>
+          <p:nvPr/>
+        </p:nvPicPr>
+        <p:blipFill>
+          <a:blip r:embed="rId2"/>
+          <a:stretch>
+            <a:fillRect/>
+          </a:stretch>
+        </p:blipFill>
+        <p:spPr>
+          <a:xfrm>
+            <a:off x="655782" y="1485178"/>
+            <a:ext cx="11120581" cy="4848225"/>
+          </a:xfrm>
+          <a:prstGeom prst="rect">
+            <a:avLst/>
+          </a:prstGeom>
+        </p:spPr>
+      </p:pic>
+    </p:spTree>
+    <p:extLst>
+      <p:ext uri="{BB962C8B-B14F-4D97-AF65-F5344CB8AC3E}">
+        <p14:creationId xmlns:p14="http://schemas.microsoft.com/office/powerpoint/2010/main" val="81816453"/>
+      </p:ext>
+    </p:extLst>
+  </p:cSld>
+  <p:clrMapOvr>
+    <a:masterClrMapping/>
+  </p:clrMapOvr>
+</p:sld>
+</file>
+
+<file path=ppt/slides/slide12.xml><?xml version="1.0" encoding="utf-8"?>
+<p:sld xmlns:a="http://schemas.openxmlformats.org/drawingml/2006/main" xmlns:r="http://schemas.openxmlformats.org/officeDocument/2006/relationships" xmlns:p="http://schemas.openxmlformats.org/presentationml/2006/main">
+  <p:cSld>
+    <p:spTree>
+      <p:nvGrpSpPr>
+        <p:cNvPr id="1" name=""/>
+        <p:cNvGrpSpPr/>
+        <p:nvPr/>
+      </p:nvGrpSpPr>
+      <p:grpSpPr>
+        <a:xfrm>
+          <a:off x="0" y="0"/>
+          <a:ext cx="0" cy="0"/>
+          <a:chOff x="0" y="0"/>
+          <a:chExt cx="0" cy="0"/>
+        </a:xfrm>
+      </p:grpSpPr>
+      <p:sp>
+        <p:nvSpPr>
+          <p:cNvPr id="2" name="Title 1"/>
+          <p:cNvSpPr>
+            <a:spLocks noGrp="1"/>
+          </p:cNvSpPr>
+          <p:nvPr>
+            <p:ph type="title"/>
+          </p:nvPr>
+        </p:nvSpPr>
+        <p:spPr/>
+        <p:txBody>
+          <a:bodyPr/>
+          <a:lstStyle/>
+          <a:p>
+            <a:r>
+              <a:rPr lang="en-GB" dirty="0" smtClean="0"/>
+              <a:t>View</a:t>
+            </a:r>
+            <a:endParaRPr lang="en-US" dirty="0"/>
+          </a:p>
+        </p:txBody>
+      </p:sp>
+      <p:sp>
+        <p:nvSpPr>
+          <p:cNvPr id="3" name="Content Placeholder 2"/>
+          <p:cNvSpPr>
+            <a:spLocks noGrp="1"/>
+          </p:cNvSpPr>
+          <p:nvPr>
+            <p:ph idx="1"/>
+          </p:nvPr>
+        </p:nvSpPr>
+        <p:spPr/>
+        <p:txBody>
+          <a:bodyPr/>
+          <a:lstStyle/>
+          <a:p>
+            <a:r>
+              <a:rPr lang="en-GB" dirty="0"/>
+              <a:t>basic building block of </a:t>
+            </a:r>
+            <a:r>
+              <a:rPr lang="en-GB" dirty="0" smtClean="0"/>
+              <a:t>UI</a:t>
+            </a:r>
+          </a:p>
+          <a:p>
+            <a:r>
+              <a:rPr lang="en-GB" dirty="0"/>
+              <a:t>used to display text, images, </a:t>
+            </a:r>
+            <a:r>
+              <a:rPr lang="en-GB" dirty="0" smtClean="0"/>
+              <a:t/>
+            </a:r>
+            <a:br>
+              <a:rPr lang="en-GB" dirty="0" smtClean="0"/>
+            </a:br>
+            <a:r>
+              <a:rPr lang="en-GB" dirty="0" smtClean="0"/>
+              <a:t>or </a:t>
+            </a:r>
+            <a:r>
+              <a:rPr lang="en-GB" dirty="0"/>
+              <a:t>respond to user </a:t>
+            </a:r>
+            <a:r>
+              <a:rPr lang="en-GB" dirty="0" smtClean="0"/>
+              <a:t>input</a:t>
+            </a:r>
+          </a:p>
+          <a:p>
+            <a:r>
+              <a:rPr lang="en-GB" dirty="0"/>
+              <a:t>views can contain other views</a:t>
+            </a:r>
+            <a:r>
+              <a:rPr lang="en-GB" dirty="0" smtClean="0"/>
+              <a:t>.</a:t>
+            </a:r>
+          </a:p>
+          <a:p>
+            <a:r>
+              <a:rPr lang="en-GB" dirty="0" smtClean="0"/>
+              <a:t>Maps </a:t>
+            </a:r>
+            <a:r>
+              <a:rPr lang="en-GB" dirty="0"/>
+              <a:t>to </a:t>
+            </a:r>
+            <a:r>
+              <a:rPr lang="en-GB" dirty="0" err="1">
+                <a:solidFill>
+                  <a:srgbClr val="FF0000"/>
+                </a:solidFill>
+              </a:rPr>
+              <a:t>UIView</a:t>
+            </a:r>
+            <a:r>
+              <a:rPr lang="en-GB" dirty="0">
+                <a:solidFill>
+                  <a:srgbClr val="FF0000"/>
+                </a:solidFill>
+              </a:rPr>
+              <a:t>, &lt;div&gt;, </a:t>
+            </a:r>
+            <a:r>
+              <a:rPr lang="en-GB" dirty="0" err="1">
+                <a:solidFill>
+                  <a:srgbClr val="FF0000"/>
+                </a:solidFill>
+              </a:rPr>
+              <a:t>android.view</a:t>
+            </a:r>
+            <a:r>
+              <a:rPr lang="en-GB" dirty="0"/>
+              <a:t> </a:t>
+            </a:r>
+            <a:endParaRPr lang="en-US" dirty="0"/>
+          </a:p>
+        </p:txBody>
+      </p:sp>
+      <p:pic>
+        <p:nvPicPr>
+          <p:cNvPr id="4" name="Picture 3"/>
+          <p:cNvPicPr>
+            <a:picLocks noChangeAspect="1"/>
+          </p:cNvPicPr>
+          <p:nvPr/>
+        </p:nvPicPr>
+        <p:blipFill>
+          <a:blip r:embed="rId2"/>
+          <a:stretch>
+            <a:fillRect/>
+          </a:stretch>
+        </p:blipFill>
+        <p:spPr>
+          <a:xfrm>
+            <a:off x="6615911" y="1690688"/>
+            <a:ext cx="5429250" cy="4400550"/>
+          </a:xfrm>
+          <a:prstGeom prst="rect">
+            <a:avLst/>
+          </a:prstGeom>
+        </p:spPr>
+      </p:pic>
+    </p:spTree>
+    <p:extLst>
+      <p:ext uri="{BB962C8B-B14F-4D97-AF65-F5344CB8AC3E}">
+        <p14:creationId xmlns:p14="http://schemas.microsoft.com/office/powerpoint/2010/main" val="457168149"/>
+      </p:ext>
+    </p:extLst>
+  </p:cSld>
+  <p:clrMapOvr>
+    <a:masterClrMapping/>
+  </p:clrMapOvr>
+</p:sld>
+</file>
+
+<file path=ppt/slides/slide13.xml><?xml version="1.0" encoding="utf-8"?>
+<p:sld xmlns:a="http://schemas.openxmlformats.org/drawingml/2006/main" xmlns:r="http://schemas.openxmlformats.org/officeDocument/2006/relationships" xmlns:p="http://schemas.openxmlformats.org/presentationml/2006/main">
+  <p:cSld>
+    <p:spTree>
+      <p:nvGrpSpPr>
+        <p:cNvPr id="1" name=""/>
+        <p:cNvGrpSpPr/>
+        <p:nvPr/>
+      </p:nvGrpSpPr>
+      <p:grpSpPr>
+        <a:xfrm>
+          <a:off x="0" y="0"/>
+          <a:ext cx="0" cy="0"/>
+          <a:chOff x="0" y="0"/>
+          <a:chExt cx="0" cy="0"/>
+        </a:xfrm>
+      </p:grpSpPr>
+      <p:sp>
+        <p:nvSpPr>
+          <p:cNvPr id="2" name="Title 1"/>
+          <p:cNvSpPr>
+            <a:spLocks noGrp="1"/>
+          </p:cNvSpPr>
+          <p:nvPr>
+            <p:ph type="title"/>
+          </p:nvPr>
+        </p:nvSpPr>
+        <p:spPr/>
+        <p:txBody>
+          <a:bodyPr/>
+          <a:lstStyle/>
+          <a:p>
+            <a:r>
+              <a:rPr lang="en-GB" dirty="0" smtClean="0"/>
               <a:t>Text</a:t>
             </a:r>
             <a:endParaRPr lang="en-US" dirty="0"/>
@@ -3168,299 +3588,6 @@
 </p:sld>
 </file>
 
-<file path=ppt/slides/slide11.xml><?xml version="1.0" encoding="utf-8"?>
-<p:sld xmlns:a="http://schemas.openxmlformats.org/drawingml/2006/main" xmlns:r="http://schemas.openxmlformats.org/officeDocument/2006/relationships" xmlns:p="http://schemas.openxmlformats.org/presentationml/2006/main">
-  <p:cSld>
-    <p:spTree>
-      <p:nvGrpSpPr>
-        <p:cNvPr id="1" name=""/>
-        <p:cNvGrpSpPr/>
-        <p:nvPr/>
-      </p:nvGrpSpPr>
-      <p:grpSpPr>
-        <a:xfrm>
-          <a:off x="0" y="0"/>
-          <a:ext cx="0" cy="0"/>
-          <a:chOff x="0" y="0"/>
-          <a:chExt cx="0" cy="0"/>
-        </a:xfrm>
-      </p:grpSpPr>
-      <p:sp>
-        <p:nvSpPr>
-          <p:cNvPr id="2" name="Title 1"/>
-          <p:cNvSpPr>
-            <a:spLocks noGrp="1"/>
-          </p:cNvSpPr>
-          <p:nvPr>
-            <p:ph type="title"/>
-          </p:nvPr>
-        </p:nvSpPr>
-        <p:spPr/>
-        <p:txBody>
-          <a:bodyPr/>
-          <a:lstStyle/>
-          <a:p>
-            <a:r>
-              <a:rPr lang="en-GB" dirty="0" smtClean="0"/>
-              <a:t>Image</a:t>
-            </a:r>
-            <a:endParaRPr lang="en-US" dirty="0"/>
-          </a:p>
-        </p:txBody>
-      </p:sp>
-      <p:sp>
-        <p:nvSpPr>
-          <p:cNvPr id="3" name="Content Placeholder 2"/>
-          <p:cNvSpPr>
-            <a:spLocks noGrp="1"/>
-          </p:cNvSpPr>
-          <p:nvPr>
-            <p:ph idx="1"/>
-          </p:nvPr>
-        </p:nvSpPr>
-        <p:spPr/>
-        <p:txBody>
-          <a:bodyPr/>
-          <a:lstStyle/>
-          <a:p>
-            <a:r>
-              <a:rPr lang="en-GB" dirty="0" smtClean="0"/>
-              <a:t>Display images both local and network</a:t>
-            </a:r>
-          </a:p>
-          <a:p>
-            <a:r>
-              <a:rPr lang="en-GB" dirty="0" smtClean="0"/>
-              <a:t>Props</a:t>
-            </a:r>
-          </a:p>
-          <a:p>
-            <a:pPr lvl="1"/>
-            <a:r>
-              <a:rPr lang="en-US" dirty="0" err="1"/>
-              <a:t>blurRadius</a:t>
-            </a:r>
-            <a:endParaRPr lang="en-US" dirty="0"/>
-          </a:p>
-        </p:txBody>
-      </p:sp>
-    </p:spTree>
-    <p:extLst>
-      <p:ext uri="{BB962C8B-B14F-4D97-AF65-F5344CB8AC3E}">
-        <p14:creationId xmlns:p14="http://schemas.microsoft.com/office/powerpoint/2010/main" val="2322574079"/>
-      </p:ext>
-    </p:extLst>
-  </p:cSld>
-  <p:clrMapOvr>
-    <a:masterClrMapping/>
-  </p:clrMapOvr>
-</p:sld>
-</file>
-
-<file path=ppt/slides/slide12.xml><?xml version="1.0" encoding="utf-8"?>
-<p:sld xmlns:a="http://schemas.openxmlformats.org/drawingml/2006/main" xmlns:r="http://schemas.openxmlformats.org/officeDocument/2006/relationships" xmlns:p="http://schemas.openxmlformats.org/presentationml/2006/main">
-  <p:cSld>
-    <p:spTree>
-      <p:nvGrpSpPr>
-        <p:cNvPr id="1" name=""/>
-        <p:cNvGrpSpPr/>
-        <p:nvPr/>
-      </p:nvGrpSpPr>
-      <p:grpSpPr>
-        <a:xfrm>
-          <a:off x="0" y="0"/>
-          <a:ext cx="0" cy="0"/>
-          <a:chOff x="0" y="0"/>
-          <a:chExt cx="0" cy="0"/>
-        </a:xfrm>
-      </p:grpSpPr>
-      <p:sp>
-        <p:nvSpPr>
-          <p:cNvPr id="2" name="Title 1"/>
-          <p:cNvSpPr>
-            <a:spLocks noGrp="1"/>
-          </p:cNvSpPr>
-          <p:nvPr>
-            <p:ph type="title"/>
-          </p:nvPr>
-        </p:nvSpPr>
-        <p:spPr/>
-        <p:txBody>
-          <a:bodyPr/>
-          <a:lstStyle/>
-          <a:p>
-            <a:r>
-              <a:rPr lang="en-GB" dirty="0" smtClean="0"/>
-              <a:t>Buttons</a:t>
-            </a:r>
-            <a:endParaRPr lang="en-US" dirty="0"/>
-          </a:p>
-        </p:txBody>
-      </p:sp>
-      <p:sp>
-        <p:nvSpPr>
-          <p:cNvPr id="3" name="Content Placeholder 2"/>
-          <p:cNvSpPr>
-            <a:spLocks noGrp="1"/>
-          </p:cNvSpPr>
-          <p:nvPr>
-            <p:ph idx="1"/>
-          </p:nvPr>
-        </p:nvSpPr>
-        <p:spPr/>
-        <p:txBody>
-          <a:bodyPr/>
-          <a:lstStyle/>
-          <a:p>
-            <a:r>
-              <a:rPr lang="en-GB" dirty="0"/>
-              <a:t>render nicely on any platform</a:t>
-            </a:r>
-            <a:r>
-              <a:rPr lang="en-GB" dirty="0" smtClean="0"/>
-              <a:t>.</a:t>
-            </a:r>
-          </a:p>
-          <a:p>
-            <a:r>
-              <a:rPr lang="en-GB" dirty="0" smtClean="0"/>
-              <a:t>Required props</a:t>
-            </a:r>
-          </a:p>
-          <a:p>
-            <a:pPr lvl="1"/>
-            <a:r>
-              <a:rPr lang="en-GB" dirty="0" err="1" smtClean="0"/>
-              <a:t>onPress</a:t>
-            </a:r>
-            <a:endParaRPr lang="en-GB" dirty="0" smtClean="0"/>
-          </a:p>
-          <a:p>
-            <a:pPr lvl="1"/>
-            <a:r>
-              <a:rPr lang="en-GB" dirty="0" smtClean="0"/>
-              <a:t>title</a:t>
-            </a:r>
-            <a:endParaRPr lang="en-US" dirty="0"/>
-          </a:p>
-        </p:txBody>
-      </p:sp>
-    </p:spTree>
-    <p:extLst>
-      <p:ext uri="{BB962C8B-B14F-4D97-AF65-F5344CB8AC3E}">
-        <p14:creationId xmlns:p14="http://schemas.microsoft.com/office/powerpoint/2010/main" val="849187734"/>
-      </p:ext>
-    </p:extLst>
-  </p:cSld>
-  <p:clrMapOvr>
-    <a:masterClrMapping/>
-  </p:clrMapOvr>
-</p:sld>
-</file>
-
-<file path=ppt/slides/slide13.xml><?xml version="1.0" encoding="utf-8"?>
-<p:sld xmlns:a="http://schemas.openxmlformats.org/drawingml/2006/main" xmlns:r="http://schemas.openxmlformats.org/officeDocument/2006/relationships" xmlns:p="http://schemas.openxmlformats.org/presentationml/2006/main">
-  <p:cSld>
-    <p:spTree>
-      <p:nvGrpSpPr>
-        <p:cNvPr id="1" name=""/>
-        <p:cNvGrpSpPr/>
-        <p:nvPr/>
-      </p:nvGrpSpPr>
-      <p:grpSpPr>
-        <a:xfrm>
-          <a:off x="0" y="0"/>
-          <a:ext cx="0" cy="0"/>
-          <a:chOff x="0" y="0"/>
-          <a:chExt cx="0" cy="0"/>
-        </a:xfrm>
-      </p:grpSpPr>
-      <p:sp>
-        <p:nvSpPr>
-          <p:cNvPr id="2" name="Title 1"/>
-          <p:cNvSpPr>
-            <a:spLocks noGrp="1"/>
-          </p:cNvSpPr>
-          <p:nvPr>
-            <p:ph type="title"/>
-          </p:nvPr>
-        </p:nvSpPr>
-        <p:spPr/>
-        <p:txBody>
-          <a:bodyPr/>
-          <a:lstStyle/>
-          <a:p>
-            <a:r>
-              <a:rPr lang="en-GB" dirty="0" err="1" smtClean="0"/>
-              <a:t>Touchables</a:t>
-            </a:r>
-            <a:endParaRPr lang="en-US" dirty="0"/>
-          </a:p>
-        </p:txBody>
-      </p:sp>
-      <p:sp>
-        <p:nvSpPr>
-          <p:cNvPr id="3" name="Content Placeholder 2"/>
-          <p:cNvSpPr>
-            <a:spLocks noGrp="1"/>
-          </p:cNvSpPr>
-          <p:nvPr>
-            <p:ph idx="1"/>
-          </p:nvPr>
-        </p:nvSpPr>
-        <p:spPr/>
-        <p:txBody>
-          <a:bodyPr/>
-          <a:lstStyle/>
-          <a:p>
-            <a:r>
-              <a:rPr lang="en-GB" dirty="0" smtClean="0"/>
-              <a:t>Wrapper to make views respond to touches</a:t>
-            </a:r>
-          </a:p>
-          <a:p>
-            <a:pPr lvl="1"/>
-            <a:r>
-              <a:rPr lang="en-US" dirty="0" err="1" smtClean="0"/>
-              <a:t>TouchableHighlight</a:t>
-            </a:r>
-            <a:endParaRPr lang="en-US" dirty="0" smtClean="0"/>
-          </a:p>
-          <a:p>
-            <a:pPr lvl="1"/>
-            <a:r>
-              <a:rPr lang="en-US" dirty="0" err="1" smtClean="0"/>
-              <a:t>TouchableOpacity</a:t>
-            </a:r>
-            <a:endParaRPr lang="en-US" dirty="0" smtClean="0"/>
-          </a:p>
-          <a:p>
-            <a:pPr lvl="1"/>
-            <a:r>
-              <a:rPr lang="en-GB" dirty="0" err="1" smtClean="0"/>
-              <a:t>TouchableWithoutFeedback</a:t>
-            </a:r>
-            <a:endParaRPr lang="en-GB" dirty="0" smtClean="0"/>
-          </a:p>
-          <a:p>
-            <a:pPr lvl="1"/>
-            <a:endParaRPr lang="en-US" dirty="0"/>
-          </a:p>
-        </p:txBody>
-      </p:sp>
-    </p:spTree>
-    <p:extLst>
-      <p:ext uri="{BB962C8B-B14F-4D97-AF65-F5344CB8AC3E}">
-        <p14:creationId xmlns:p14="http://schemas.microsoft.com/office/powerpoint/2010/main" val="1159503112"/>
-      </p:ext>
-    </p:extLst>
-  </p:cSld>
-  <p:clrMapOvr>
-    <a:masterClrMapping/>
-  </p:clrMapOvr>
-</p:sld>
-</file>
-
 <file path=ppt/slides/slide14.xml><?xml version="1.0" encoding="utf-8"?>
 <p:sld xmlns:a="http://schemas.openxmlformats.org/drawingml/2006/main" xmlns:r="http://schemas.openxmlformats.org/officeDocument/2006/relationships" xmlns:p="http://schemas.openxmlformats.org/presentationml/2006/main">
   <p:cSld>
@@ -3495,6 +3622,660 @@
           <a:p>
             <a:r>
               <a:rPr lang="en-GB" dirty="0" smtClean="0"/>
+              <a:t>Nested Text</a:t>
+            </a:r>
+            <a:endParaRPr lang="en-US" dirty="0"/>
+          </a:p>
+        </p:txBody>
+      </p:sp>
+      <p:sp>
+        <p:nvSpPr>
+          <p:cNvPr id="3" name="Content Placeholder 2"/>
+          <p:cNvSpPr>
+            <a:spLocks noGrp="1"/>
+          </p:cNvSpPr>
+          <p:nvPr>
+            <p:ph idx="1"/>
+          </p:nvPr>
+        </p:nvSpPr>
+        <p:spPr/>
+        <p:txBody>
+          <a:bodyPr/>
+          <a:lstStyle/>
+          <a:p>
+            <a:pPr marL="0" indent="0">
+              <a:buNone/>
+            </a:pPr>
+            <a:r>
+              <a:rPr lang="en-US" dirty="0"/>
+              <a:t>&lt;Text style={</a:t>
+            </a:r>
+            <a:r>
+              <a:rPr lang="en-US" dirty="0" err="1"/>
+              <a:t>styles.baseText</a:t>
+            </a:r>
+            <a:r>
+              <a:rPr lang="en-US" dirty="0"/>
+              <a:t>}&gt;</a:t>
+            </a:r>
+          </a:p>
+          <a:p>
+            <a:pPr marL="0" indent="0">
+              <a:buNone/>
+            </a:pPr>
+            <a:r>
+              <a:rPr lang="en-US" dirty="0"/>
+              <a:t>      </a:t>
+            </a:r>
+            <a:r>
+              <a:rPr lang="en-US" b="1" dirty="0"/>
+              <a:t>I am </a:t>
+            </a:r>
+            <a:r>
+              <a:rPr lang="en-US" b="1" dirty="0" smtClean="0"/>
+              <a:t>bold </a:t>
+            </a:r>
+            <a:r>
+              <a:rPr lang="en-US" dirty="0" smtClean="0">
+                <a:solidFill>
+                  <a:srgbClr val="FF0000"/>
+                </a:solidFill>
+              </a:rPr>
+              <a:t>and red</a:t>
+            </a:r>
+            <a:endParaRPr lang="en-US" dirty="0">
+              <a:solidFill>
+                <a:srgbClr val="FF0000"/>
+              </a:solidFill>
+            </a:endParaRPr>
+          </a:p>
+          <a:p>
+            <a:pPr marL="0" indent="0">
+              <a:buNone/>
+            </a:pPr>
+            <a:r>
+              <a:rPr lang="en-US" dirty="0">
+                <a:solidFill>
+                  <a:srgbClr val="FF0000"/>
+                </a:solidFill>
+              </a:rPr>
+              <a:t>      &lt;Text style={</a:t>
+            </a:r>
+            <a:r>
+              <a:rPr lang="en-US" dirty="0" err="1">
+                <a:solidFill>
+                  <a:srgbClr val="FF0000"/>
+                </a:solidFill>
+              </a:rPr>
+              <a:t>styles.innerText</a:t>
+            </a:r>
+            <a:r>
+              <a:rPr lang="en-US" dirty="0">
+                <a:solidFill>
+                  <a:srgbClr val="FF0000"/>
+                </a:solidFill>
+              </a:rPr>
+              <a:t>}&gt; and red&lt;/Text&gt;</a:t>
+            </a:r>
+          </a:p>
+          <a:p>
+            <a:pPr marL="0" indent="0">
+              <a:buNone/>
+            </a:pPr>
+            <a:r>
+              <a:rPr lang="en-US" dirty="0"/>
+              <a:t>    &lt;/Text&gt;</a:t>
+            </a:r>
+          </a:p>
+        </p:txBody>
+      </p:sp>
+    </p:spTree>
+    <p:extLst>
+      <p:ext uri="{BB962C8B-B14F-4D97-AF65-F5344CB8AC3E}">
+        <p14:creationId xmlns:p14="http://schemas.microsoft.com/office/powerpoint/2010/main" val="2244598666"/>
+      </p:ext>
+    </p:extLst>
+  </p:cSld>
+  <p:clrMapOvr>
+    <a:masterClrMapping/>
+  </p:clrMapOvr>
+</p:sld>
+</file>
+
+<file path=ppt/slides/slide15.xml><?xml version="1.0" encoding="utf-8"?>
+<p:sld xmlns:a="http://schemas.openxmlformats.org/drawingml/2006/main" xmlns:r="http://schemas.openxmlformats.org/officeDocument/2006/relationships" xmlns:p="http://schemas.openxmlformats.org/presentationml/2006/main">
+  <p:cSld>
+    <p:spTree>
+      <p:nvGrpSpPr>
+        <p:cNvPr id="1" name=""/>
+        <p:cNvGrpSpPr/>
+        <p:nvPr/>
+      </p:nvGrpSpPr>
+      <p:grpSpPr>
+        <a:xfrm>
+          <a:off x="0" y="0"/>
+          <a:ext cx="0" cy="0"/>
+          <a:chOff x="0" y="0"/>
+          <a:chExt cx="0" cy="0"/>
+        </a:xfrm>
+      </p:grpSpPr>
+      <p:sp>
+        <p:nvSpPr>
+          <p:cNvPr id="2" name="Title 1"/>
+          <p:cNvSpPr>
+            <a:spLocks noGrp="1"/>
+          </p:cNvSpPr>
+          <p:nvPr>
+            <p:ph type="title"/>
+          </p:nvPr>
+        </p:nvSpPr>
+        <p:spPr/>
+        <p:txBody>
+          <a:bodyPr/>
+          <a:lstStyle/>
+          <a:p>
+            <a:r>
+              <a:rPr lang="en-GB" dirty="0" err="1" smtClean="0"/>
+              <a:t>TextInput</a:t>
+            </a:r>
+            <a:r>
+              <a:rPr lang="en-GB" dirty="0" smtClean="0"/>
+              <a:t> [3]</a:t>
+            </a:r>
+            <a:endParaRPr lang="en-US" dirty="0"/>
+          </a:p>
+        </p:txBody>
+      </p:sp>
+      <p:sp>
+        <p:nvSpPr>
+          <p:cNvPr id="3" name="Content Placeholder 2"/>
+          <p:cNvSpPr>
+            <a:spLocks noGrp="1"/>
+          </p:cNvSpPr>
+          <p:nvPr>
+            <p:ph idx="1"/>
+          </p:nvPr>
+        </p:nvSpPr>
+        <p:spPr/>
+        <p:txBody>
+          <a:bodyPr/>
+          <a:lstStyle/>
+          <a:p>
+            <a:r>
+              <a:rPr lang="en-GB" dirty="0"/>
+              <a:t> foundational component for inputting text into the app via a keyboard. </a:t>
+            </a:r>
+            <a:endParaRPr lang="en-GB" dirty="0" smtClean="0"/>
+          </a:p>
+          <a:p>
+            <a:r>
+              <a:rPr lang="en-GB" dirty="0" smtClean="0"/>
+              <a:t>Props:</a:t>
+            </a:r>
+          </a:p>
+          <a:p>
+            <a:pPr lvl="1"/>
+            <a:r>
+              <a:rPr lang="en-GB" dirty="0" err="1" smtClean="0"/>
+              <a:t>autoComplete</a:t>
+            </a:r>
+            <a:r>
+              <a:rPr lang="en-GB" dirty="0" smtClean="0"/>
+              <a:t> </a:t>
+            </a:r>
+          </a:p>
+          <a:p>
+            <a:pPr lvl="1"/>
+            <a:r>
+              <a:rPr lang="en-GB" dirty="0" err="1" smtClean="0"/>
+              <a:t>autoCorrect</a:t>
+            </a:r>
+            <a:endParaRPr lang="en-GB" dirty="0" smtClean="0"/>
+          </a:p>
+          <a:p>
+            <a:pPr lvl="1"/>
+            <a:r>
+              <a:rPr lang="en-GB" dirty="0" smtClean="0"/>
+              <a:t>Editable</a:t>
+            </a:r>
+          </a:p>
+          <a:p>
+            <a:pPr lvl="1"/>
+            <a:r>
+              <a:rPr lang="en-GB" dirty="0" err="1" smtClean="0"/>
+              <a:t>keyboardType</a:t>
+            </a:r>
+            <a:endParaRPr lang="en-GB" dirty="0" smtClean="0"/>
+          </a:p>
+          <a:p>
+            <a:pPr lvl="1"/>
+            <a:r>
+              <a:rPr lang="en-GB" dirty="0" err="1"/>
+              <a:t>onChangeText</a:t>
+            </a:r>
+            <a:endParaRPr lang="en-GB" dirty="0" smtClean="0"/>
+          </a:p>
+          <a:p>
+            <a:endParaRPr lang="en-US" dirty="0"/>
+          </a:p>
+        </p:txBody>
+      </p:sp>
+      <p:pic>
+        <p:nvPicPr>
+          <p:cNvPr id="5" name="Picture 4"/>
+          <p:cNvPicPr>
+            <a:picLocks noChangeAspect="1"/>
+          </p:cNvPicPr>
+          <p:nvPr/>
+        </p:nvPicPr>
+        <p:blipFill>
+          <a:blip r:embed="rId2"/>
+          <a:stretch>
+            <a:fillRect/>
+          </a:stretch>
+        </p:blipFill>
+        <p:spPr>
+          <a:xfrm>
+            <a:off x="6864297" y="2600325"/>
+            <a:ext cx="4324350" cy="923925"/>
+          </a:xfrm>
+          <a:prstGeom prst="rect">
+            <a:avLst/>
+          </a:prstGeom>
+        </p:spPr>
+      </p:pic>
+    </p:spTree>
+    <p:extLst>
+      <p:ext uri="{BB962C8B-B14F-4D97-AF65-F5344CB8AC3E}">
+        <p14:creationId xmlns:p14="http://schemas.microsoft.com/office/powerpoint/2010/main" val="2026977766"/>
+      </p:ext>
+    </p:extLst>
+  </p:cSld>
+  <p:clrMapOvr>
+    <a:masterClrMapping/>
+  </p:clrMapOvr>
+</p:sld>
+</file>
+
+<file path=ppt/slides/slide16.xml><?xml version="1.0" encoding="utf-8"?>
+<p:sld xmlns:a="http://schemas.openxmlformats.org/drawingml/2006/main" xmlns:r="http://schemas.openxmlformats.org/officeDocument/2006/relationships" xmlns:p="http://schemas.openxmlformats.org/presentationml/2006/main">
+  <p:cSld>
+    <p:spTree>
+      <p:nvGrpSpPr>
+        <p:cNvPr id="1" name=""/>
+        <p:cNvGrpSpPr/>
+        <p:nvPr/>
+      </p:nvGrpSpPr>
+      <p:grpSpPr>
+        <a:xfrm>
+          <a:off x="0" y="0"/>
+          <a:ext cx="0" cy="0"/>
+          <a:chOff x="0" y="0"/>
+          <a:chExt cx="0" cy="0"/>
+        </a:xfrm>
+      </p:grpSpPr>
+      <p:sp>
+        <p:nvSpPr>
+          <p:cNvPr id="2" name="Title 1"/>
+          <p:cNvSpPr>
+            <a:spLocks noGrp="1"/>
+          </p:cNvSpPr>
+          <p:nvPr>
+            <p:ph type="title"/>
+          </p:nvPr>
+        </p:nvSpPr>
+        <p:spPr/>
+        <p:txBody>
+          <a:bodyPr/>
+          <a:lstStyle/>
+          <a:p>
+            <a:r>
+              <a:rPr lang="en-GB" dirty="0" smtClean="0"/>
+              <a:t>Image [5]</a:t>
+            </a:r>
+            <a:endParaRPr lang="en-US" dirty="0"/>
+          </a:p>
+        </p:txBody>
+      </p:sp>
+      <p:sp>
+        <p:nvSpPr>
+          <p:cNvPr id="3" name="Content Placeholder 2"/>
+          <p:cNvSpPr>
+            <a:spLocks noGrp="1"/>
+          </p:cNvSpPr>
+          <p:nvPr>
+            <p:ph idx="1"/>
+          </p:nvPr>
+        </p:nvSpPr>
+        <p:spPr/>
+        <p:txBody>
+          <a:bodyPr/>
+          <a:lstStyle/>
+          <a:p>
+            <a:r>
+              <a:rPr lang="en-GB" dirty="0" smtClean="0"/>
+              <a:t>Display images both local and network</a:t>
+            </a:r>
+          </a:p>
+          <a:p>
+            <a:r>
+              <a:rPr lang="en-GB" dirty="0" smtClean="0"/>
+              <a:t>Local Image:</a:t>
+            </a:r>
+          </a:p>
+          <a:p>
+            <a:pPr lvl="1"/>
+            <a:r>
+              <a:rPr lang="en-GB" dirty="0"/>
+              <a:t>&lt;Image source = {require</a:t>
+            </a:r>
+            <a:r>
+              <a:rPr lang="en-GB" dirty="0" smtClean="0"/>
+              <a:t>(‘’)}/&gt;</a:t>
+            </a:r>
+          </a:p>
+          <a:p>
+            <a:r>
+              <a:rPr lang="en-GB" dirty="0" smtClean="0"/>
+              <a:t>Network Images:</a:t>
+            </a:r>
+          </a:p>
+          <a:p>
+            <a:pPr lvl="1"/>
+            <a:r>
+              <a:rPr lang="en-GB" dirty="0"/>
+              <a:t>&lt;Image source = {{</a:t>
+            </a:r>
+            <a:r>
+              <a:rPr lang="en-GB" dirty="0" err="1"/>
+              <a:t>uri</a:t>
+            </a:r>
+            <a:r>
+              <a:rPr lang="en-GB" dirty="0" smtClean="0"/>
+              <a:t>:‘’}}</a:t>
+            </a:r>
+          </a:p>
+          <a:p>
+            <a:r>
+              <a:rPr lang="en-GB" dirty="0" smtClean="0"/>
+              <a:t>Props</a:t>
+            </a:r>
+          </a:p>
+          <a:p>
+            <a:pPr lvl="1"/>
+            <a:r>
+              <a:rPr lang="en-US" dirty="0" err="1" smtClean="0"/>
+              <a:t>blurRadius</a:t>
+            </a:r>
+            <a:endParaRPr lang="en-US" dirty="0" smtClean="0"/>
+          </a:p>
+          <a:p>
+            <a:pPr lvl="1"/>
+            <a:r>
+              <a:rPr lang="en-US" dirty="0" err="1"/>
+              <a:t>defaultSource</a:t>
+            </a:r>
+            <a:endParaRPr lang="en-US" dirty="0"/>
+          </a:p>
+        </p:txBody>
+      </p:sp>
+    </p:spTree>
+    <p:extLst>
+      <p:ext uri="{BB962C8B-B14F-4D97-AF65-F5344CB8AC3E}">
+        <p14:creationId xmlns:p14="http://schemas.microsoft.com/office/powerpoint/2010/main" val="2322574079"/>
+      </p:ext>
+    </p:extLst>
+  </p:cSld>
+  <p:clrMapOvr>
+    <a:masterClrMapping/>
+  </p:clrMapOvr>
+</p:sld>
+</file>
+
+<file path=ppt/slides/slide17.xml><?xml version="1.0" encoding="utf-8"?>
+<p:sld xmlns:a="http://schemas.openxmlformats.org/drawingml/2006/main" xmlns:r="http://schemas.openxmlformats.org/officeDocument/2006/relationships" xmlns:p="http://schemas.openxmlformats.org/presentationml/2006/main">
+  <p:cSld>
+    <p:spTree>
+      <p:nvGrpSpPr>
+        <p:cNvPr id="1" name=""/>
+        <p:cNvGrpSpPr/>
+        <p:nvPr/>
+      </p:nvGrpSpPr>
+      <p:grpSpPr>
+        <a:xfrm>
+          <a:off x="0" y="0"/>
+          <a:ext cx="0" cy="0"/>
+          <a:chOff x="0" y="0"/>
+          <a:chExt cx="0" cy="0"/>
+        </a:xfrm>
+      </p:grpSpPr>
+      <p:sp>
+        <p:nvSpPr>
+          <p:cNvPr id="2" name="Title 1"/>
+          <p:cNvSpPr>
+            <a:spLocks noGrp="1"/>
+          </p:cNvSpPr>
+          <p:nvPr>
+            <p:ph type="title"/>
+          </p:nvPr>
+        </p:nvSpPr>
+        <p:spPr/>
+        <p:txBody>
+          <a:bodyPr/>
+          <a:lstStyle/>
+          <a:p>
+            <a:r>
+              <a:rPr lang="en-GB" dirty="0" smtClean="0"/>
+              <a:t>Buttons [4]</a:t>
+            </a:r>
+            <a:endParaRPr lang="en-US" dirty="0"/>
+          </a:p>
+        </p:txBody>
+      </p:sp>
+      <p:sp>
+        <p:nvSpPr>
+          <p:cNvPr id="3" name="Content Placeholder 2"/>
+          <p:cNvSpPr>
+            <a:spLocks noGrp="1"/>
+          </p:cNvSpPr>
+          <p:nvPr>
+            <p:ph idx="1"/>
+          </p:nvPr>
+        </p:nvSpPr>
+        <p:spPr/>
+        <p:txBody>
+          <a:bodyPr/>
+          <a:lstStyle/>
+          <a:p>
+            <a:r>
+              <a:rPr lang="en-GB" dirty="0"/>
+              <a:t>render nicely on any platform</a:t>
+            </a:r>
+            <a:r>
+              <a:rPr lang="en-GB" dirty="0" smtClean="0"/>
+              <a:t>.</a:t>
+            </a:r>
+          </a:p>
+          <a:p>
+            <a:r>
+              <a:rPr lang="en-GB" dirty="0" smtClean="0"/>
+              <a:t>Required props</a:t>
+            </a:r>
+          </a:p>
+          <a:p>
+            <a:pPr lvl="1"/>
+            <a:r>
+              <a:rPr lang="en-GB" dirty="0" err="1" smtClean="0"/>
+              <a:t>onPress</a:t>
+            </a:r>
+            <a:endParaRPr lang="en-GB" dirty="0" smtClean="0"/>
+          </a:p>
+          <a:p>
+            <a:pPr lvl="1"/>
+            <a:r>
+              <a:rPr lang="en-GB" dirty="0" smtClean="0"/>
+              <a:t>Title</a:t>
+            </a:r>
+          </a:p>
+          <a:p>
+            <a:pPr lvl="1"/>
+            <a:r>
+              <a:rPr lang="en-US" dirty="0"/>
+              <a:t>color</a:t>
+            </a:r>
+          </a:p>
+        </p:txBody>
+      </p:sp>
+    </p:spTree>
+    <p:extLst>
+      <p:ext uri="{BB962C8B-B14F-4D97-AF65-F5344CB8AC3E}">
+        <p14:creationId xmlns:p14="http://schemas.microsoft.com/office/powerpoint/2010/main" val="849187734"/>
+      </p:ext>
+    </p:extLst>
+  </p:cSld>
+  <p:clrMapOvr>
+    <a:masterClrMapping/>
+  </p:clrMapOvr>
+</p:sld>
+</file>
+
+<file path=ppt/slides/slide18.xml><?xml version="1.0" encoding="utf-8"?>
+<p:sld xmlns:a="http://schemas.openxmlformats.org/drawingml/2006/main" xmlns:r="http://schemas.openxmlformats.org/officeDocument/2006/relationships" xmlns:p="http://schemas.openxmlformats.org/presentationml/2006/main">
+  <p:cSld>
+    <p:spTree>
+      <p:nvGrpSpPr>
+        <p:cNvPr id="1" name=""/>
+        <p:cNvGrpSpPr/>
+        <p:nvPr/>
+      </p:nvGrpSpPr>
+      <p:grpSpPr>
+        <a:xfrm>
+          <a:off x="0" y="0"/>
+          <a:ext cx="0" cy="0"/>
+          <a:chOff x="0" y="0"/>
+          <a:chExt cx="0" cy="0"/>
+        </a:xfrm>
+      </p:grpSpPr>
+      <p:sp>
+        <p:nvSpPr>
+          <p:cNvPr id="2" name="Title 1"/>
+          <p:cNvSpPr>
+            <a:spLocks noGrp="1"/>
+          </p:cNvSpPr>
+          <p:nvPr>
+            <p:ph type="title"/>
+          </p:nvPr>
+        </p:nvSpPr>
+        <p:spPr/>
+        <p:txBody>
+          <a:bodyPr/>
+          <a:lstStyle/>
+          <a:p>
+            <a:r>
+              <a:rPr lang="en-GB" dirty="0" err="1" smtClean="0"/>
+              <a:t>Touchables</a:t>
+            </a:r>
+            <a:endParaRPr lang="en-US" dirty="0"/>
+          </a:p>
+        </p:txBody>
+      </p:sp>
+      <p:sp>
+        <p:nvSpPr>
+          <p:cNvPr id="3" name="Content Placeholder 2"/>
+          <p:cNvSpPr>
+            <a:spLocks noGrp="1"/>
+          </p:cNvSpPr>
+          <p:nvPr>
+            <p:ph idx="1"/>
+          </p:nvPr>
+        </p:nvSpPr>
+        <p:spPr/>
+        <p:txBody>
+          <a:bodyPr/>
+          <a:lstStyle/>
+          <a:p>
+            <a:r>
+              <a:rPr lang="en-GB" dirty="0" smtClean="0"/>
+              <a:t>Wrapper to make views respond to touches</a:t>
+            </a:r>
+          </a:p>
+          <a:p>
+            <a:pPr lvl="1"/>
+            <a:r>
+              <a:rPr lang="en-US" dirty="0" err="1" smtClean="0"/>
+              <a:t>TouchableHighlight</a:t>
+            </a:r>
+            <a:endParaRPr lang="en-US" dirty="0" smtClean="0"/>
+          </a:p>
+          <a:p>
+            <a:pPr lvl="1"/>
+            <a:r>
+              <a:rPr lang="en-US" dirty="0" err="1" smtClean="0"/>
+              <a:t>TouchableOpacity</a:t>
+            </a:r>
+            <a:endParaRPr lang="en-US" dirty="0" smtClean="0"/>
+          </a:p>
+          <a:p>
+            <a:pPr lvl="1"/>
+            <a:r>
+              <a:rPr lang="en-GB" dirty="0" err="1" smtClean="0"/>
+              <a:t>TouchableWithoutFeedback</a:t>
+            </a:r>
+            <a:endParaRPr lang="en-GB" dirty="0" smtClean="0"/>
+          </a:p>
+          <a:p>
+            <a:pPr lvl="1"/>
+            <a:endParaRPr lang="en-US" dirty="0"/>
+          </a:p>
+        </p:txBody>
+      </p:sp>
+    </p:spTree>
+    <p:extLst>
+      <p:ext uri="{BB962C8B-B14F-4D97-AF65-F5344CB8AC3E}">
+        <p14:creationId xmlns:p14="http://schemas.microsoft.com/office/powerpoint/2010/main" val="1159503112"/>
+      </p:ext>
+    </p:extLst>
+  </p:cSld>
+  <p:clrMapOvr>
+    <a:masterClrMapping/>
+  </p:clrMapOvr>
+</p:sld>
+</file>
+
+<file path=ppt/slides/slide19.xml><?xml version="1.0" encoding="utf-8"?>
+<p:sld xmlns:a="http://schemas.openxmlformats.org/drawingml/2006/main" xmlns:r="http://schemas.openxmlformats.org/officeDocument/2006/relationships" xmlns:p="http://schemas.openxmlformats.org/presentationml/2006/main">
+  <p:cSld>
+    <p:spTree>
+      <p:nvGrpSpPr>
+        <p:cNvPr id="1" name=""/>
+        <p:cNvGrpSpPr/>
+        <p:nvPr/>
+      </p:nvGrpSpPr>
+      <p:grpSpPr>
+        <a:xfrm>
+          <a:off x="0" y="0"/>
+          <a:ext cx="0" cy="0"/>
+          <a:chOff x="0" y="0"/>
+          <a:chExt cx="0" cy="0"/>
+        </a:xfrm>
+      </p:grpSpPr>
+      <p:sp>
+        <p:nvSpPr>
+          <p:cNvPr id="2" name="Title 1"/>
+          <p:cNvSpPr>
+            <a:spLocks noGrp="1"/>
+          </p:cNvSpPr>
+          <p:nvPr>
+            <p:ph type="title"/>
+          </p:nvPr>
+        </p:nvSpPr>
+        <p:spPr/>
+        <p:txBody>
+          <a:bodyPr/>
+          <a:lstStyle/>
+          <a:p>
+            <a:r>
+              <a:rPr lang="en-GB" dirty="0" smtClean="0"/>
               <a:t>References</a:t>
             </a:r>
             <a:endParaRPr lang="en-US" dirty="0"/>
@@ -3545,6 +4326,84 @@
               </a:rPr>
               <a:t>https://reactnative.dev/docs/intro-react-native-components</a:t>
             </a:r>
+            <a:endParaRPr lang="en-GB" dirty="0" smtClean="0"/>
+          </a:p>
+          <a:p>
+            <a:pPr marL="0" indent="0">
+              <a:buNone/>
+            </a:pPr>
+            <a:r>
+              <a:rPr lang="en-GB" dirty="0"/>
+              <a:t>[3] </a:t>
+            </a:r>
+            <a:r>
+              <a:rPr lang="en-GB" dirty="0">
+                <a:hlinkClick r:id="rId4"/>
+              </a:rPr>
+              <a:t>https://</a:t>
+            </a:r>
+            <a:r>
+              <a:rPr lang="en-GB" dirty="0" smtClean="0">
+                <a:hlinkClick r:id="rId4"/>
+              </a:rPr>
+              <a:t>reactnative.dev/docs/textinput</a:t>
+            </a:r>
+            <a:r>
+              <a:rPr lang="en-GB" dirty="0" smtClean="0"/>
+              <a:t> </a:t>
+            </a:r>
+          </a:p>
+          <a:p>
+            <a:pPr marL="0" indent="0">
+              <a:buNone/>
+            </a:pPr>
+            <a:r>
+              <a:rPr lang="en-GB" dirty="0"/>
+              <a:t>[4] </a:t>
+            </a:r>
+            <a:r>
+              <a:rPr lang="en-GB" dirty="0">
+                <a:hlinkClick r:id="rId5"/>
+              </a:rPr>
+              <a:t>https://</a:t>
+            </a:r>
+            <a:r>
+              <a:rPr lang="en-GB" dirty="0" smtClean="0">
+                <a:hlinkClick r:id="rId5"/>
+              </a:rPr>
+              <a:t>reactnative.dev/docs/button</a:t>
+            </a:r>
+            <a:endParaRPr lang="en-GB" dirty="0" smtClean="0"/>
+          </a:p>
+          <a:p>
+            <a:pPr marL="0" indent="0">
+              <a:buNone/>
+            </a:pPr>
+            <a:r>
+              <a:rPr lang="en-GB" dirty="0"/>
+              <a:t>[5] </a:t>
+            </a:r>
+            <a:r>
+              <a:rPr lang="en-GB" dirty="0">
+                <a:hlinkClick r:id="rId6"/>
+              </a:rPr>
+              <a:t>https://</a:t>
+            </a:r>
+            <a:r>
+              <a:rPr lang="en-GB" dirty="0" smtClean="0">
+                <a:hlinkClick r:id="rId6"/>
+              </a:rPr>
+              <a:t>reactnative.dev/docs/image</a:t>
+            </a:r>
+            <a:r>
+              <a:rPr lang="en-GB" dirty="0" smtClean="0"/>
+              <a:t>  </a:t>
+            </a:r>
+          </a:p>
+          <a:p>
+            <a:pPr marL="0" indent="0">
+              <a:buNone/>
+            </a:pPr>
             <a:endParaRPr lang="en-GB" dirty="0" smtClean="0"/>
           </a:p>
           <a:p>
@@ -3717,7 +4576,322 @@
           <a:p>
             <a:r>
               <a:rPr lang="en-GB" dirty="0" smtClean="0"/>
-              <a:t>Concepts[1]</a:t>
+              <a:t>Components [1]</a:t>
+            </a:r>
+            <a:endParaRPr lang="en-US" dirty="0"/>
+          </a:p>
+        </p:txBody>
+      </p:sp>
+      <p:sp>
+        <p:nvSpPr>
+          <p:cNvPr id="3" name="Content Placeholder 2"/>
+          <p:cNvSpPr>
+            <a:spLocks noGrp="1"/>
+          </p:cNvSpPr>
+          <p:nvPr>
+            <p:ph idx="1"/>
+          </p:nvPr>
+        </p:nvSpPr>
+        <p:spPr/>
+        <p:txBody>
+          <a:bodyPr>
+            <a:normAutofit/>
+          </a:bodyPr>
+          <a:lstStyle/>
+          <a:p>
+            <a:r>
+              <a:rPr lang="en-GB" dirty="0"/>
+              <a:t>React Native is like React, but it uses native components instead of web components as building blocks. </a:t>
+            </a:r>
+            <a:endParaRPr lang="en-GB" dirty="0" smtClean="0"/>
+          </a:p>
+          <a:p>
+            <a:r>
+              <a:rPr lang="en-GB" dirty="0"/>
+              <a:t> </a:t>
+            </a:r>
+            <a:r>
+              <a:rPr lang="en-GB" dirty="0" smtClean="0"/>
+              <a:t>Basic </a:t>
+            </a:r>
+            <a:r>
+              <a:rPr lang="en-GB" dirty="0"/>
+              <a:t>React </a:t>
+            </a:r>
+            <a:r>
+              <a:rPr lang="en-GB" dirty="0" smtClean="0"/>
+              <a:t>concepts </a:t>
+            </a:r>
+          </a:p>
+          <a:p>
+            <a:pPr lvl="1"/>
+            <a:r>
+              <a:rPr lang="en-GB" dirty="0" smtClean="0"/>
+              <a:t>JSX</a:t>
+            </a:r>
+          </a:p>
+          <a:p>
+            <a:pPr lvl="1"/>
+            <a:r>
+              <a:rPr lang="en-GB" dirty="0" smtClean="0"/>
+              <a:t>Components</a:t>
+            </a:r>
+          </a:p>
+          <a:p>
+            <a:pPr lvl="1"/>
+            <a:r>
+              <a:rPr lang="en-GB" dirty="0" smtClean="0"/>
+              <a:t>State</a:t>
+            </a:r>
+          </a:p>
+          <a:p>
+            <a:pPr lvl="1"/>
+            <a:r>
+              <a:rPr lang="en-GB" dirty="0" smtClean="0"/>
+              <a:t>props</a:t>
+            </a:r>
+          </a:p>
+        </p:txBody>
+      </p:sp>
+    </p:spTree>
+    <p:extLst>
+      <p:ext uri="{BB962C8B-B14F-4D97-AF65-F5344CB8AC3E}">
+        <p14:creationId xmlns:p14="http://schemas.microsoft.com/office/powerpoint/2010/main" val="641759081"/>
+      </p:ext>
+    </p:extLst>
+  </p:cSld>
+  <p:clrMapOvr>
+    <a:masterClrMapping/>
+  </p:clrMapOvr>
+</p:sld>
+</file>
+
+<file path=ppt/slides/slide4.xml><?xml version="1.0" encoding="utf-8"?>
+<p:sld xmlns:a="http://schemas.openxmlformats.org/drawingml/2006/main" xmlns:r="http://schemas.openxmlformats.org/officeDocument/2006/relationships" xmlns:p="http://schemas.openxmlformats.org/presentationml/2006/main">
+  <p:cSld>
+    <p:spTree>
+      <p:nvGrpSpPr>
+        <p:cNvPr id="1" name=""/>
+        <p:cNvGrpSpPr/>
+        <p:nvPr/>
+      </p:nvGrpSpPr>
+      <p:grpSpPr>
+        <a:xfrm>
+          <a:off x="0" y="0"/>
+          <a:ext cx="0" cy="0"/>
+          <a:chOff x="0" y="0"/>
+          <a:chExt cx="0" cy="0"/>
+        </a:xfrm>
+      </p:grpSpPr>
+      <p:sp>
+        <p:nvSpPr>
+          <p:cNvPr id="2" name="Title 1"/>
+          <p:cNvSpPr>
+            <a:spLocks noGrp="1"/>
+          </p:cNvSpPr>
+          <p:nvPr>
+            <p:ph type="title"/>
+          </p:nvPr>
+        </p:nvSpPr>
+        <p:spPr/>
+        <p:txBody>
+          <a:bodyPr/>
+          <a:lstStyle/>
+          <a:p>
+            <a:r>
+              <a:rPr lang="en-GB" dirty="0"/>
+              <a:t>Basic React concepts </a:t>
+            </a:r>
+            <a:r>
+              <a:rPr lang="en-GB" dirty="0" smtClean="0"/>
+              <a:t> [1]</a:t>
+            </a:r>
+            <a:endParaRPr lang="en-US" dirty="0"/>
+          </a:p>
+        </p:txBody>
+      </p:sp>
+      <p:sp>
+        <p:nvSpPr>
+          <p:cNvPr id="3" name="Content Placeholder 2"/>
+          <p:cNvSpPr>
+            <a:spLocks noGrp="1"/>
+          </p:cNvSpPr>
+          <p:nvPr>
+            <p:ph idx="1"/>
+          </p:nvPr>
+        </p:nvSpPr>
+        <p:spPr/>
+        <p:txBody>
+          <a:bodyPr>
+            <a:normAutofit/>
+          </a:bodyPr>
+          <a:lstStyle/>
+          <a:p>
+            <a:r>
+              <a:rPr lang="en-GB" b="1" dirty="0" smtClean="0"/>
+              <a:t>JSX</a:t>
+            </a:r>
+          </a:p>
+          <a:p>
+            <a:pPr marL="0" indent="0">
+              <a:buNone/>
+            </a:pPr>
+            <a:r>
+              <a:rPr lang="en-GB" dirty="0" smtClean="0">
+                <a:solidFill>
+                  <a:srgbClr val="FF0000"/>
+                </a:solidFill>
+              </a:rPr>
+              <a:t>	&lt;</a:t>
+            </a:r>
+            <a:r>
+              <a:rPr lang="en-GB" dirty="0">
+                <a:solidFill>
+                  <a:srgbClr val="FF0000"/>
+                </a:solidFill>
+              </a:rPr>
+              <a:t>View&gt;&lt;Text&gt;Hello world!&lt;/Text&gt;&lt;/View</a:t>
+            </a:r>
+            <a:r>
+              <a:rPr lang="en-GB" dirty="0" smtClean="0">
+                <a:solidFill>
+                  <a:srgbClr val="FF0000"/>
+                </a:solidFill>
+              </a:rPr>
+              <a:t>&gt;</a:t>
+            </a:r>
+          </a:p>
+          <a:p>
+            <a:pPr marL="0" indent="0">
+              <a:buNone/>
+            </a:pPr>
+            <a:endParaRPr lang="en-GB" dirty="0" smtClean="0">
+              <a:solidFill>
+                <a:srgbClr val="FF0000"/>
+              </a:solidFill>
+            </a:endParaRPr>
+          </a:p>
+          <a:p>
+            <a:r>
+              <a:rPr lang="en-GB" dirty="0"/>
+              <a:t>This is JSX - a syntax for embedding XML within JavaScript</a:t>
+            </a:r>
+            <a:r>
+              <a:rPr lang="en-GB" dirty="0" smtClean="0"/>
+              <a:t>.</a:t>
+            </a:r>
+            <a:endParaRPr lang="en-GB" dirty="0"/>
+          </a:p>
+          <a:p>
+            <a:r>
+              <a:rPr lang="en-GB" dirty="0"/>
+              <a:t>JSX lets you write your </a:t>
+            </a:r>
+            <a:r>
+              <a:rPr lang="en-GB" dirty="0" err="1"/>
+              <a:t>markup</a:t>
+            </a:r>
+            <a:r>
+              <a:rPr lang="en-GB" dirty="0"/>
+              <a:t> language inside code. </a:t>
+            </a:r>
+            <a:endParaRPr lang="en-GB" dirty="0" smtClean="0"/>
+          </a:p>
+          <a:p>
+            <a:r>
+              <a:rPr lang="en-GB" dirty="0"/>
+              <a:t>It looks like HTML on the web, except instead of web things like </a:t>
+            </a:r>
+            <a:r>
+              <a:rPr lang="en-GB" dirty="0">
+                <a:solidFill>
+                  <a:srgbClr val="FF0000"/>
+                </a:solidFill>
+              </a:rPr>
+              <a:t>&lt;div&gt; </a:t>
+            </a:r>
+            <a:r>
+              <a:rPr lang="en-GB" dirty="0"/>
+              <a:t>or </a:t>
+            </a:r>
+            <a:r>
+              <a:rPr lang="en-GB" dirty="0">
+                <a:solidFill>
+                  <a:srgbClr val="FF0000"/>
+                </a:solidFill>
+              </a:rPr>
+              <a:t>&lt;span</a:t>
+            </a:r>
+            <a:r>
+              <a:rPr lang="en-GB" dirty="0" smtClean="0">
+                <a:solidFill>
+                  <a:srgbClr val="FF0000"/>
+                </a:solidFill>
+              </a:rPr>
+              <a:t>&gt;</a:t>
+            </a:r>
+          </a:p>
+          <a:p>
+            <a:r>
+              <a:rPr lang="en-GB" dirty="0"/>
+              <a:t>In this case, &lt;Text&gt;</a:t>
+            </a:r>
+            <a:endParaRPr lang="en-GB" dirty="0" smtClean="0"/>
+          </a:p>
+        </p:txBody>
+      </p:sp>
+    </p:spTree>
+    <p:extLst>
+      <p:ext uri="{BB962C8B-B14F-4D97-AF65-F5344CB8AC3E}">
+        <p14:creationId xmlns:p14="http://schemas.microsoft.com/office/powerpoint/2010/main" val="1995714147"/>
+      </p:ext>
+    </p:extLst>
+  </p:cSld>
+  <p:clrMapOvr>
+    <a:masterClrMapping/>
+  </p:clrMapOvr>
+</p:sld>
+</file>
+
+<file path=ppt/slides/slide5.xml><?xml version="1.0" encoding="utf-8"?>
+<p:sld xmlns:a="http://schemas.openxmlformats.org/drawingml/2006/main" xmlns:r="http://schemas.openxmlformats.org/officeDocument/2006/relationships" xmlns:p="http://schemas.openxmlformats.org/presentationml/2006/main">
+  <p:cSld>
+    <p:spTree>
+      <p:nvGrpSpPr>
+        <p:cNvPr id="1" name=""/>
+        <p:cNvGrpSpPr/>
+        <p:nvPr/>
+      </p:nvGrpSpPr>
+      <p:grpSpPr>
+        <a:xfrm>
+          <a:off x="0" y="0"/>
+          <a:ext cx="0" cy="0"/>
+          <a:chOff x="0" y="0"/>
+          <a:chExt cx="0" cy="0"/>
+        </a:xfrm>
+      </p:grpSpPr>
+      <p:sp>
+        <p:nvSpPr>
+          <p:cNvPr id="2" name="Title 1"/>
+          <p:cNvSpPr>
+            <a:spLocks noGrp="1"/>
+          </p:cNvSpPr>
+          <p:nvPr>
+            <p:ph type="title"/>
+          </p:nvPr>
+        </p:nvSpPr>
+        <p:spPr/>
+        <p:txBody>
+          <a:bodyPr/>
+          <a:lstStyle/>
+          <a:p>
+            <a:r>
+              <a:rPr lang="en-GB" dirty="0"/>
+              <a:t>Basic React concepts[1</a:t>
+            </a:r>
+            <a:r>
+              <a:rPr lang="en-GB" dirty="0" smtClean="0"/>
+              <a:t>]</a:t>
             </a:r>
             <a:endParaRPr lang="en-US" dirty="0"/>
           </a:p>
@@ -3824,9 +4998,13 @@
               <a:rPr lang="en-GB" dirty="0" smtClean="0"/>
               <a:t>allows React components to change their output over time</a:t>
             </a:r>
-            <a:br>
-              <a:rPr lang="en-GB" dirty="0" smtClean="0"/>
-            </a:br>
+          </a:p>
+          <a:p>
+            <a:pPr lvl="1"/>
+            <a:r>
+              <a:rPr lang="en-GB" dirty="0" smtClean="0"/>
+              <a:t>State changes in response to user Input, network response or anything else.</a:t>
+            </a:r>
             <a:endParaRPr lang="en-US" dirty="0"/>
           </a:p>
         </p:txBody>
@@ -3844,7 +5022,7 @@
 </p:sld>
 </file>
 
-<file path=ppt/slides/slide4.xml><?xml version="1.0" encoding="utf-8"?>
+<file path=ppt/slides/slide6.xml><?xml version="1.0" encoding="utf-8"?>
 <p:sld xmlns:a="http://schemas.openxmlformats.org/drawingml/2006/main" xmlns:r="http://schemas.openxmlformats.org/officeDocument/2006/relationships" xmlns:p="http://schemas.openxmlformats.org/presentationml/2006/main">
   <p:cSld>
     <p:spTree>
@@ -4095,7 +5273,7 @@
 </p:sld>
 </file>
 
-<file path=ppt/slides/slide5.xml><?xml version="1.0" encoding="utf-8"?>
+<file path=ppt/slides/slide7.xml><?xml version="1.0" encoding="utf-8"?>
 <p:sld xmlns:a="http://schemas.openxmlformats.org/drawingml/2006/main" xmlns:r="http://schemas.openxmlformats.org/officeDocument/2006/relationships" xmlns:p="http://schemas.openxmlformats.org/presentationml/2006/main">
   <p:cSld>
     <p:spTree>
@@ -4281,7 +5459,7 @@
 </p:sld>
 </file>
 
-<file path=ppt/slides/slide6.xml><?xml version="1.0" encoding="utf-8"?>
+<file path=ppt/slides/slide8.xml><?xml version="1.0" encoding="utf-8"?>
 <p:sld xmlns:a="http://schemas.openxmlformats.org/drawingml/2006/main" xmlns:r="http://schemas.openxmlformats.org/officeDocument/2006/relationships" xmlns:p="http://schemas.openxmlformats.org/presentationml/2006/main">
   <p:cSld>
     <p:spTree>
@@ -4398,218 +5576,6 @@
 </p:sld>
 </file>
 
-<file path=ppt/slides/slide7.xml><?xml version="1.0" encoding="utf-8"?>
-<p:sld xmlns:a="http://schemas.openxmlformats.org/drawingml/2006/main" xmlns:r="http://schemas.openxmlformats.org/officeDocument/2006/relationships" xmlns:p="http://schemas.openxmlformats.org/presentationml/2006/main">
-  <p:cSld>
-    <p:spTree>
-      <p:nvGrpSpPr>
-        <p:cNvPr id="1" name=""/>
-        <p:cNvGrpSpPr/>
-        <p:nvPr/>
-      </p:nvGrpSpPr>
-      <p:grpSpPr>
-        <a:xfrm>
-          <a:off x="0" y="0"/>
-          <a:ext cx="0" cy="0"/>
-          <a:chOff x="0" y="0"/>
-          <a:chExt cx="0" cy="0"/>
-        </a:xfrm>
-      </p:grpSpPr>
-      <p:sp>
-        <p:nvSpPr>
-          <p:cNvPr id="2" name="Title 1"/>
-          <p:cNvSpPr>
-            <a:spLocks noGrp="1"/>
-          </p:cNvSpPr>
-          <p:nvPr>
-            <p:ph type="title"/>
-          </p:nvPr>
-        </p:nvSpPr>
-        <p:spPr/>
-        <p:txBody>
-          <a:bodyPr/>
-          <a:lstStyle/>
-          <a:p>
-            <a:r>
-              <a:rPr lang="en-GB" dirty="0" smtClean="0"/>
-              <a:t>Basic Components</a:t>
-            </a:r>
-            <a:endParaRPr lang="en-US" dirty="0"/>
-          </a:p>
-        </p:txBody>
-      </p:sp>
-      <p:sp>
-        <p:nvSpPr>
-          <p:cNvPr id="3" name="Content Placeholder 2"/>
-          <p:cNvSpPr>
-            <a:spLocks noGrp="1"/>
-          </p:cNvSpPr>
-          <p:nvPr>
-            <p:ph idx="1"/>
-          </p:nvPr>
-        </p:nvSpPr>
-        <p:spPr/>
-        <p:txBody>
-          <a:bodyPr/>
-          <a:lstStyle/>
-          <a:p>
-            <a:r>
-              <a:rPr lang="en-GB" dirty="0" smtClean="0"/>
-              <a:t>View</a:t>
-            </a:r>
-          </a:p>
-          <a:p>
-            <a:r>
-              <a:rPr lang="en-GB" dirty="0" smtClean="0"/>
-              <a:t>Text</a:t>
-            </a:r>
-          </a:p>
-          <a:p>
-            <a:r>
-              <a:rPr lang="en-GB" dirty="0" smtClean="0"/>
-              <a:t>Image</a:t>
-            </a:r>
-          </a:p>
-          <a:p>
-            <a:r>
-              <a:rPr lang="en-GB" dirty="0" smtClean="0"/>
-              <a:t>Button</a:t>
-            </a:r>
-          </a:p>
-          <a:p>
-            <a:r>
-              <a:rPr lang="en-GB" dirty="0" err="1" smtClean="0"/>
-              <a:t>Touchables</a:t>
-            </a:r>
-            <a:endParaRPr lang="en-GB" dirty="0" smtClean="0"/>
-          </a:p>
-          <a:p>
-            <a:r>
-              <a:rPr lang="en-GB" dirty="0" smtClean="0"/>
-              <a:t>Alert</a:t>
-            </a:r>
-            <a:endParaRPr lang="en-US" dirty="0"/>
-          </a:p>
-        </p:txBody>
-      </p:sp>
-    </p:spTree>
-    <p:extLst>
-      <p:ext uri="{BB962C8B-B14F-4D97-AF65-F5344CB8AC3E}">
-        <p14:creationId xmlns:p14="http://schemas.microsoft.com/office/powerpoint/2010/main" val="628091883"/>
-      </p:ext>
-    </p:extLst>
-  </p:cSld>
-  <p:clrMapOvr>
-    <a:masterClrMapping/>
-  </p:clrMapOvr>
-</p:sld>
-</file>
-
-<file path=ppt/slides/slide8.xml><?xml version="1.0" encoding="utf-8"?>
-<p:sld xmlns:a="http://schemas.openxmlformats.org/drawingml/2006/main" xmlns:r="http://schemas.openxmlformats.org/officeDocument/2006/relationships" xmlns:p="http://schemas.openxmlformats.org/presentationml/2006/main">
-  <p:cSld>
-    <p:spTree>
-      <p:nvGrpSpPr>
-        <p:cNvPr id="1" name=""/>
-        <p:cNvGrpSpPr/>
-        <p:nvPr/>
-      </p:nvGrpSpPr>
-      <p:grpSpPr>
-        <a:xfrm>
-          <a:off x="0" y="0"/>
-          <a:ext cx="0" cy="0"/>
-          <a:chOff x="0" y="0"/>
-          <a:chExt cx="0" cy="0"/>
-        </a:xfrm>
-      </p:grpSpPr>
-      <p:sp>
-        <p:nvSpPr>
-          <p:cNvPr id="2" name="Title 1"/>
-          <p:cNvSpPr>
-            <a:spLocks noGrp="1"/>
-          </p:cNvSpPr>
-          <p:nvPr>
-            <p:ph type="title"/>
-          </p:nvPr>
-        </p:nvSpPr>
-        <p:spPr/>
-        <p:txBody>
-          <a:bodyPr/>
-          <a:lstStyle/>
-          <a:p>
-            <a:r>
-              <a:rPr lang="en-GB" dirty="0" smtClean="0"/>
-              <a:t>Cross platform working[2]</a:t>
-            </a:r>
-            <a:endParaRPr lang="en-US" dirty="0"/>
-          </a:p>
-        </p:txBody>
-      </p:sp>
-      <p:sp>
-        <p:nvSpPr>
-          <p:cNvPr id="3" name="Content Placeholder 2"/>
-          <p:cNvSpPr>
-            <a:spLocks noGrp="1"/>
-          </p:cNvSpPr>
-          <p:nvPr>
-            <p:ph idx="1"/>
-          </p:nvPr>
-        </p:nvSpPr>
-        <p:spPr/>
-        <p:txBody>
-          <a:bodyPr>
-            <a:normAutofit/>
-          </a:bodyPr>
-          <a:lstStyle/>
-          <a:p>
-            <a:r>
-              <a:rPr lang="en-GB" dirty="0" smtClean="0"/>
-              <a:t/>
-            </a:r>
-            <a:br>
-              <a:rPr lang="en-GB" dirty="0" smtClean="0"/>
-            </a:br>
-            <a:endParaRPr lang="en-US" dirty="0"/>
-          </a:p>
-        </p:txBody>
-      </p:sp>
-      <p:pic>
-        <p:nvPicPr>
-          <p:cNvPr id="4" name="Picture 3"/>
-          <p:cNvPicPr>
-            <a:picLocks noChangeAspect="1"/>
-          </p:cNvPicPr>
-          <p:nvPr/>
-        </p:nvPicPr>
-        <p:blipFill>
-          <a:blip r:embed="rId2"/>
-          <a:stretch>
-            <a:fillRect/>
-          </a:stretch>
-        </p:blipFill>
-        <p:spPr>
-          <a:xfrm>
-            <a:off x="655782" y="1485178"/>
-            <a:ext cx="11120581" cy="4848225"/>
-          </a:xfrm>
-          <a:prstGeom prst="rect">
-            <a:avLst/>
-          </a:prstGeom>
-        </p:spPr>
-      </p:pic>
-    </p:spTree>
-    <p:extLst>
-      <p:ext uri="{BB962C8B-B14F-4D97-AF65-F5344CB8AC3E}">
-        <p14:creationId xmlns:p14="http://schemas.microsoft.com/office/powerpoint/2010/main" val="81816453"/>
-      </p:ext>
-    </p:extLst>
-  </p:cSld>
-  <p:clrMapOvr>
-    <a:masterClrMapping/>
-  </p:clrMapOvr>
-</p:sld>
-</file>
-
 <file path=ppt/slides/slide9.xml><?xml version="1.0" encoding="utf-8"?>
 <p:sld xmlns:a="http://schemas.openxmlformats.org/drawingml/2006/main" xmlns:r="http://schemas.openxmlformats.org/officeDocument/2006/relationships" xmlns:p="http://schemas.openxmlformats.org/presentationml/2006/main">
   <p:cSld>
@@ -4643,8 +5609,12 @@
           <a:lstStyle/>
           <a:p>
             <a:r>
-              <a:rPr lang="en-GB" dirty="0" smtClean="0"/>
-              <a:t>View</a:t>
+              <a:rPr lang="en-GB" dirty="0"/>
+              <a:t>how components work in React </a:t>
+            </a:r>
+            <a:r>
+              <a:rPr lang="en-GB" dirty="0" smtClean="0"/>
+              <a:t>Native?</a:t>
             </a:r>
             <a:endParaRPr lang="en-US" dirty="0"/>
           </a:p>
@@ -4652,7 +5622,46 @@
       </p:sp>
       <p:sp>
         <p:nvSpPr>
-          <p:cNvPr id="3" name="Content Placeholder 2"/>
+          <p:cNvPr id="4" name="AutoShape 2" descr="Diagram of Android and iOS app showing them both built on top of atomic elements called views."/>
+          <p:cNvSpPr>
+            <a:spLocks noChangeAspect="1" noChangeArrowheads="1"/>
+          </p:cNvSpPr>
+          <p:nvPr/>
+        </p:nvSpPr>
+        <p:spPr bwMode="auto">
+          <a:xfrm>
+            <a:off x="155575" y="-144463"/>
+            <a:ext cx="304800" cy="304801"/>
+          </a:xfrm>
+          <a:prstGeom prst="rect">
+            <a:avLst/>
+          </a:prstGeom>
+          <a:noFill/>
+          <a:extLst>
+            <a:ext uri="{909E8E84-426E-40DD-AFC4-6F175D3DCCD1}">
+              <a14:hiddenFill xmlns:a14="http://schemas.microsoft.com/office/drawing/2010/main">
+                <a:solidFill>
+                  <a:srgbClr val="FFFFFF"/>
+                </a:solidFill>
+              </a14:hiddenFill>
+            </a:ext>
+          </a:extLst>
+        </p:spPr>
+        <p:txBody>
+          <a:bodyPr vert="horz" wrap="square" lIns="91440" tIns="45720" rIns="91440" bIns="45720" numCol="1" anchor="t" anchorCtr="0" compatLnSpc="1">
+            <a:prstTxWarp prst="textNoShape">
+              <a:avLst/>
+            </a:prstTxWarp>
+          </a:bodyPr>
+          <a:lstStyle/>
+          <a:p>
+            <a:endParaRPr lang="en-US"/>
+          </a:p>
+        </p:txBody>
+      </p:sp>
+      <p:sp>
+        <p:nvSpPr>
+          <p:cNvPr id="8" name="Content Placeholder 7"/>
           <p:cNvSpPr>
             <a:spLocks noGrp="1"/>
           </p:cNvSpPr>
@@ -4665,52 +5674,13 @@
           <a:bodyPr/>
           <a:lstStyle/>
           <a:p>
-            <a:r>
-              <a:rPr lang="en-GB" dirty="0"/>
-              <a:t>basic building block of </a:t>
-            </a:r>
-            <a:r>
-              <a:rPr lang="en-GB" dirty="0" smtClean="0"/>
-              <a:t>UI</a:t>
-            </a:r>
-          </a:p>
-          <a:p>
-            <a:r>
-              <a:rPr lang="en-GB" dirty="0"/>
-              <a:t>used to display text, images, </a:t>
-            </a:r>
-            <a:r>
-              <a:rPr lang="en-GB" dirty="0" smtClean="0"/>
-              <a:t/>
-            </a:r>
-            <a:br>
-              <a:rPr lang="en-GB" dirty="0" smtClean="0"/>
-            </a:br>
-            <a:r>
-              <a:rPr lang="en-GB" dirty="0" smtClean="0"/>
-              <a:t>or </a:t>
-            </a:r>
-            <a:r>
-              <a:rPr lang="en-GB" dirty="0"/>
-              <a:t>respond to user </a:t>
-            </a:r>
-            <a:r>
-              <a:rPr lang="en-GB" dirty="0" smtClean="0"/>
-              <a:t>input</a:t>
-            </a:r>
-          </a:p>
-          <a:p>
-            <a:r>
-              <a:rPr lang="en-GB" dirty="0"/>
-              <a:t>views can contain other views. </a:t>
-            </a:r>
-            <a:endParaRPr lang="en-US" dirty="0"/>
+            <a:endParaRPr lang="en-US"/>
           </a:p>
         </p:txBody>
       </p:sp>
       <p:pic>
         <p:nvPicPr>
-          <p:cNvPr id="4" name="Picture 3"/>
+          <p:cNvPr id="9" name="Picture 8"/>
           <p:cNvPicPr>
             <a:picLocks noChangeAspect="1"/>
           </p:cNvPicPr>
@@ -4724,8 +5694,8 @@
         </p:blipFill>
         <p:spPr>
           <a:xfrm>
-            <a:off x="6522605" y="2235777"/>
-            <a:ext cx="5429250" cy="4400550"/>
+            <a:off x="838199" y="1414050"/>
+            <a:ext cx="10666445" cy="4762913"/>
           </a:xfrm>
           <a:prstGeom prst="rect">
             <a:avLst/>
@@ -4735,7 +5705,7 @@
     </p:spTree>
     <p:extLst>
       <p:ext uri="{BB962C8B-B14F-4D97-AF65-F5344CB8AC3E}">
-        <p14:creationId xmlns:p14="http://schemas.microsoft.com/office/powerpoint/2010/main" val="457168149"/>
+        <p14:creationId xmlns:p14="http://schemas.microsoft.com/office/powerpoint/2010/main" val="628091883"/>
       </p:ext>
     </p:extLst>
   </p:cSld>
